--- a/docs/BDR-phases/rendu final/Presentation_Groupe9.pptx
+++ b/docs/BDR-phases/rendu final/Presentation_Groupe9.pptx
@@ -4199,7 +4199,7 @@
           <a:p>
             <a:fld id="{D573D444-5F55-4467-A2D0-17B627445B82}" type="datetime1">
               <a:rPr lang="fr-CH" noProof="0" smtClean="0"/>
-              <a:t>23/01/2025</a:t>
+              <a:t>23.01.2025</a:t>
             </a:fld>
             <a:endParaRPr lang="fr-CH" noProof="0" dirty="0"/>
           </a:p>
@@ -4670,35 +4670,6 @@
           </a:p>
         </p:txBody>
       </p:sp>
-      <p:pic>
-        <p:nvPicPr>
-          <p:cNvPr id="8" name="Espace réservé du contenu 7">
-            <a:extLst>
-              <a:ext uri="{FF2B5EF4-FFF2-40B4-BE49-F238E27FC236}">
-                <a16:creationId xmlns:a16="http://schemas.microsoft.com/office/drawing/2014/main" id="{356BC86A-193A-261A-E31B-D2B3CB0CA7B8}"/>
-              </a:ext>
-            </a:extLst>
-          </p:cNvPr>
-          <p:cNvPicPr>
-            <a:picLocks noGrp="1" noChangeAspect="1"/>
-          </p:cNvPicPr>
-          <p:nvPr>
-            <p:ph idx="1"/>
-          </p:nvPr>
-        </p:nvPicPr>
-        <p:blipFill>
-          <a:blip r:embed="rId2"/>
-          <a:srcRect l="4152" t="3967" r="1930" b="1792"/>
-          <a:stretch/>
-        </p:blipFill>
-        <p:spPr>
-          <a:xfrm>
-            <a:off x="3281637" y="365125"/>
-            <a:ext cx="8569886" cy="5867814"/>
-          </a:xfrm>
-          <a:noFill/>
-        </p:spPr>
-      </p:pic>
       <p:sp>
         <p:nvSpPr>
           <p:cNvPr id="4" name="Espace réservé de la date 3">
@@ -4722,7 +4693,7 @@
           <a:p>
             <a:fld id="{266CC99F-F12A-4BBB-B957-70759008C60A}" type="datetime1">
               <a:rPr lang="fr-CH" noProof="0" smtClean="0"/>
-              <a:t>23/01/2025</a:t>
+              <a:t>23.01.2025</a:t>
             </a:fld>
             <a:endParaRPr lang="fr-CH" noProof="0" dirty="0"/>
           </a:p>
@@ -4791,6 +4762,61 @@
           </a:p>
         </p:txBody>
       </p:sp>
+      <p:sp>
+        <p:nvSpPr>
+          <p:cNvPr id="7" name="Espace réservé du contenu 6">
+            <a:extLst>
+              <a:ext uri="{FF2B5EF4-FFF2-40B4-BE49-F238E27FC236}">
+                <a16:creationId xmlns:a16="http://schemas.microsoft.com/office/drawing/2014/main" id="{DDD4FB65-95CF-9482-9196-465CA314B186}"/>
+              </a:ext>
+            </a:extLst>
+          </p:cNvPr>
+          <p:cNvSpPr>
+            <a:spLocks noGrp="1"/>
+          </p:cNvSpPr>
+          <p:nvPr>
+            <p:ph idx="1"/>
+          </p:nvPr>
+        </p:nvSpPr>
+        <p:spPr/>
+        <p:txBody>
+          <a:bodyPr/>
+          <a:lstStyle/>
+          <a:p>
+            <a:endParaRPr lang="en-GB"/>
+          </a:p>
+        </p:txBody>
+      </p:sp>
+      <p:pic>
+        <p:nvPicPr>
+          <p:cNvPr id="10" name="Image 9">
+            <a:extLst>
+              <a:ext uri="{FF2B5EF4-FFF2-40B4-BE49-F238E27FC236}">
+                <a16:creationId xmlns:a16="http://schemas.microsoft.com/office/drawing/2014/main" id="{E05BA971-B2C3-7B93-CA36-962EE8C862AD}"/>
+              </a:ext>
+            </a:extLst>
+          </p:cNvPr>
+          <p:cNvPicPr>
+            <a:picLocks noChangeAspect="1"/>
+          </p:cNvPicPr>
+          <p:nvPr/>
+        </p:nvPicPr>
+        <p:blipFill>
+          <a:blip r:embed="rId2"/>
+          <a:stretch>
+            <a:fillRect/>
+          </a:stretch>
+        </p:blipFill>
+        <p:spPr>
+          <a:xfrm>
+            <a:off x="3189295" y="427611"/>
+            <a:ext cx="8469306" cy="5839045"/>
+          </a:xfrm>
+          <a:prstGeom prst="rect">
+            <a:avLst/>
+          </a:prstGeom>
+        </p:spPr>
+      </p:pic>
     </p:spTree>
     <p:extLst>
       <p:ext uri="{BB962C8B-B14F-4D97-AF65-F5344CB8AC3E}">
@@ -4870,6 +4896,40 @@
           <a:bodyPr/>
           <a:lstStyle/>
           <a:p>
+            <a:r>
+              <a:rPr lang="fr-CH" noProof="0" dirty="0"/>
+              <a:t>Projet en commun avec DAI</a:t>
+            </a:r>
+          </a:p>
+          <a:p>
+            <a:pPr lvl="1"/>
+            <a:r>
+              <a:rPr lang="fr-CH" dirty="0"/>
+              <a:t>HTML, CSS et Java</a:t>
+            </a:r>
+          </a:p>
+          <a:p>
+            <a:r>
+              <a:rPr lang="fr-CH" noProof="0" dirty="0"/>
+              <a:t>Sous groupe de Médias (Papier et Numérique) pour permettre un tri plus aisé</a:t>
+            </a:r>
+          </a:p>
+          <a:p>
+            <a:r>
+              <a:rPr lang="fr-CH" noProof="0" dirty="0"/>
+              <a:t>Trigger et fonction pour créer les 4 listes de base</a:t>
+            </a:r>
+          </a:p>
+          <a:p>
+            <a:r>
+              <a:rPr lang="fr-CH" noProof="0" dirty="0"/>
+              <a:t>Fonction pour faire de l’insertion dans le site</a:t>
+            </a:r>
+          </a:p>
+          <a:p>
+            <a:endParaRPr lang="fr-CH" noProof="0" dirty="0"/>
+          </a:p>
+          <a:p>
             <a:endParaRPr lang="fr-CH" noProof="0" dirty="0"/>
           </a:p>
         </p:txBody>
@@ -4897,7 +4957,7 @@
           <a:p>
             <a:fld id="{266CC99F-F12A-4BBB-B957-70759008C60A}" type="datetime1">
               <a:rPr lang="fr-CH" noProof="0" smtClean="0"/>
-              <a:t>23/01/2025</a:t>
+              <a:t>23.01.2025</a:t>
             </a:fld>
             <a:endParaRPr lang="fr-CH" noProof="0" dirty="0"/>
           </a:p>
@@ -5045,7 +5105,45 @@
           <a:bodyPr/>
           <a:lstStyle/>
           <a:p>
-            <a:endParaRPr lang="fr-CH" noProof="0" dirty="0"/>
+            <a:r>
+              <a:rPr lang="fr-CH" noProof="0" dirty="0"/>
+              <a:t>Pages HTML ayant des éléments </a:t>
+            </a:r>
+            <a:r>
+              <a:rPr lang="fr-CH" dirty="0"/>
+              <a:t>s’affichant selon le résultat de requêtes SQL</a:t>
+            </a:r>
+          </a:p>
+          <a:p>
+            <a:r>
+              <a:rPr lang="fr-CH" noProof="0" dirty="0"/>
+              <a:t>La base de données est initialiser avec des informations de base </a:t>
+            </a:r>
+            <a:r>
+              <a:rPr lang="fr-CH" dirty="0"/>
+              <a:t>au premier chargement</a:t>
+            </a:r>
+          </a:p>
+          <a:p>
+            <a:pPr lvl="1"/>
+            <a:r>
+              <a:rPr lang="fr-CH" noProof="0" dirty="0"/>
+              <a:t>Scripts </a:t>
+            </a:r>
+            <a:r>
+              <a:rPr lang="fr-CH" dirty="0"/>
+              <a:t>SQL</a:t>
+            </a:r>
+            <a:r>
+              <a:rPr lang="fr-CH" noProof="0" dirty="0"/>
+              <a:t> pour créer et peupler les tables; et la création des triggers</a:t>
+            </a:r>
+          </a:p>
+          <a:p>
+            <a:r>
+              <a:rPr lang="fr-CH" noProof="0" dirty="0"/>
+              <a:t>Les requêtes sont personnalisées selon des éléments donnés</a:t>
+            </a:r>
           </a:p>
         </p:txBody>
       </p:sp>
@@ -5072,7 +5170,7 @@
           <a:p>
             <a:fld id="{939CBBC5-57E8-4173-B521-0D0933CF368A}" type="datetime1">
               <a:rPr lang="fr-CH" noProof="0" smtClean="0"/>
-              <a:t>23/01/2025</a:t>
+              <a:t>23.01.2025</a:t>
             </a:fld>
             <a:endParaRPr lang="fr-CH" noProof="0" dirty="0"/>
           </a:p>

--- a/docs/BDR-phases/rendu final/Presentation_Groupe9.pptx
+++ b/docs/BDR-phases/rendu final/Presentation_Groupe9.pptx
@@ -120,6 +120,73 @@
     </p:ext>
   </p:extLst>
 </p:presentation>
+</file>
+
+<file path=ppt/revisionInfo.xml><?xml version="1.0" encoding="utf-8"?>
+<p1510:revInfo xmlns:a="http://schemas.openxmlformats.org/drawingml/2006/main" xmlns:r="http://schemas.openxmlformats.org/officeDocument/2006/relationships" xmlns:p1510="http://schemas.microsoft.com/office/powerpoint/2015/10/main">
+  <p1510:revLst>
+    <p1510:client id="{0680B842-BC6C-D27D-26B1-152C4C3B0285}" v="28" dt="2025-01-24T00:58:43.358"/>
+  </p1510:revLst>
+</p1510:revInfo>
+</file>
+
+<file path=ppt/changesInfos/changesInfo1.xml><?xml version="1.0" encoding="utf-8"?>
+<pc:chgInfo xmlns:a="http://schemas.openxmlformats.org/drawingml/2006/main" xmlns:r="http://schemas.openxmlformats.org/officeDocument/2006/relationships" xmlns:ac="http://schemas.microsoft.com/office/drawing/2013/main/command" xmlns:pc="http://schemas.microsoft.com/office/powerpoint/2013/main/command">
+  <pc:docChgLst>
+    <pc:chgData name="Ripoll Pierric" userId="S::pierric.ripoll@hes-so.ch::7ab9e9ea-69cb-432f-a985-c339bc8e11c5" providerId="AD" clId="Web-{0680B842-BC6C-D27D-26B1-152C4C3B0285}"/>
+    <pc:docChg chg="modSld">
+      <pc:chgData name="Ripoll Pierric" userId="S::pierric.ripoll@hes-so.ch::7ab9e9ea-69cb-432f-a985-c339bc8e11c5" providerId="AD" clId="Web-{0680B842-BC6C-D27D-26B1-152C4C3B0285}" dt="2025-01-24T00:58:43.358" v="18" actId="20577"/>
+      <pc:docMkLst>
+        <pc:docMk/>
+      </pc:docMkLst>
+      <pc:sldChg chg="modSp">
+        <pc:chgData name="Ripoll Pierric" userId="S::pierric.ripoll@hes-so.ch::7ab9e9ea-69cb-432f-a985-c339bc8e11c5" providerId="AD" clId="Web-{0680B842-BC6C-D27D-26B1-152C4C3B0285}" dt="2025-01-24T00:57:51.139" v="7" actId="20577"/>
+        <pc:sldMkLst>
+          <pc:docMk/>
+          <pc:sldMk cId="3811383747" sldId="257"/>
+        </pc:sldMkLst>
+        <pc:spChg chg="mod">
+          <ac:chgData name="Ripoll Pierric" userId="S::pierric.ripoll@hes-so.ch::7ab9e9ea-69cb-432f-a985-c339bc8e11c5" providerId="AD" clId="Web-{0680B842-BC6C-D27D-26B1-152C4C3B0285}" dt="2025-01-24T00:57:51.139" v="7" actId="20577"/>
+          <ac:spMkLst>
+            <pc:docMk/>
+            <pc:sldMk cId="3811383747" sldId="257"/>
+            <ac:spMk id="10" creationId="{6BF555F5-A756-459E-107C-37A269C4412F}"/>
+          </ac:spMkLst>
+        </pc:spChg>
+      </pc:sldChg>
+      <pc:sldChg chg="modSp">
+        <pc:chgData name="Ripoll Pierric" userId="S::pierric.ripoll@hes-so.ch::7ab9e9ea-69cb-432f-a985-c339bc8e11c5" providerId="AD" clId="Web-{0680B842-BC6C-D27D-26B1-152C4C3B0285}" dt="2025-01-24T00:58:43.358" v="18" actId="20577"/>
+        <pc:sldMkLst>
+          <pc:docMk/>
+          <pc:sldMk cId="491516243" sldId="258"/>
+        </pc:sldMkLst>
+        <pc:spChg chg="mod">
+          <ac:chgData name="Ripoll Pierric" userId="S::pierric.ripoll@hes-so.ch::7ab9e9ea-69cb-432f-a985-c339bc8e11c5" providerId="AD" clId="Web-{0680B842-BC6C-D27D-26B1-152C4C3B0285}" dt="2025-01-24T00:58:43.358" v="18" actId="20577"/>
+          <ac:spMkLst>
+            <pc:docMk/>
+            <pc:sldMk cId="491516243" sldId="258"/>
+            <ac:spMk id="3" creationId="{63366717-E998-57EC-1003-A835B56EB1AC}"/>
+          </ac:spMkLst>
+        </pc:spChg>
+      </pc:sldChg>
+      <pc:sldChg chg="modSp">
+        <pc:chgData name="Ripoll Pierric" userId="S::pierric.ripoll@hes-so.ch::7ab9e9ea-69cb-432f-a985-c339bc8e11c5" providerId="AD" clId="Web-{0680B842-BC6C-D27D-26B1-152C4C3B0285}" dt="2025-01-24T00:58:23.936" v="11" actId="20577"/>
+        <pc:sldMkLst>
+          <pc:docMk/>
+          <pc:sldMk cId="2262012887" sldId="262"/>
+        </pc:sldMkLst>
+        <pc:spChg chg="mod">
+          <ac:chgData name="Ripoll Pierric" userId="S::pierric.ripoll@hes-so.ch::7ab9e9ea-69cb-432f-a985-c339bc8e11c5" providerId="AD" clId="Web-{0680B842-BC6C-D27D-26B1-152C4C3B0285}" dt="2025-01-24T00:58:23.936" v="11" actId="20577"/>
+          <ac:spMkLst>
+            <pc:docMk/>
+            <pc:sldMk cId="2262012887" sldId="262"/>
+            <ac:spMk id="3" creationId="{87960B84-57B4-A032-47CE-C2F4003CB840}"/>
+          </ac:spMkLst>
+        </pc:spChg>
+      </pc:sldChg>
+    </pc:docChg>
+  </pc:docChgLst>
+</pc:chgInfo>
 </file>
 
 <file path=ppt/notesMasters/notesMaster1.xml><?xml version="1.0" encoding="utf-8"?>
@@ -4291,7 +4358,7 @@
           <a:noFill/>
         </p:spPr>
         <p:txBody>
-          <a:bodyPr wrap="square" rtlCol="0">
+          <a:bodyPr wrap="square" lIns="91440" tIns="45720" rIns="91440" bIns="45720" rtlCol="0" anchor="t">
             <a:spAutoFit/>
           </a:bodyPr>
           <a:lstStyle/>
@@ -4306,22 +4373,67 @@
                   <a:schemeClr val="bg1"/>
                 </a:solidFill>
               </a:rPr>
-              <a:t>Application web de gestion de média consommé</a:t>
-            </a:r>
-          </a:p>
-          <a:p>
-            <a:pPr marL="285750" indent="-285750">
-              <a:buFont typeface="Arial" panose="020B0604020202020204" pitchFamily="34" charset="0"/>
-              <a:buChar char="•"/>
-            </a:pPr>
+              <a:t>Application web de gestion de </a:t>
+            </a:r>
+            <a:r>
+              <a:rPr lang="fr-CH" sz="2800" dirty="0">
+                <a:solidFill>
+                  <a:schemeClr val="bg1"/>
+                </a:solidFill>
+              </a:rPr>
+              <a:t>médias</a:t>
+            </a:r>
             <a:r>
               <a:rPr lang="fr-CH" sz="2800" noProof="0" dirty="0">
                 <a:solidFill>
                   <a:schemeClr val="bg1"/>
                 </a:solidFill>
               </a:rPr>
-              <a:t>Création de compte utilisateur</a:t>
-            </a:r>
+              <a:t> consommé</a:t>
+            </a:r>
+          </a:p>
+          <a:p>
+            <a:pPr marL="285750" indent="-285750">
+              <a:buFont typeface="Arial" panose="020B0604020202020204" pitchFamily="34" charset="0"/>
+              <a:buChar char="•"/>
+            </a:pPr>
+            <a:r>
+              <a:rPr lang="fr-CH" sz="2800" noProof="0" dirty="0">
+                <a:solidFill>
+                  <a:schemeClr val="bg1"/>
+                </a:solidFill>
+              </a:rPr>
+              <a:t>Création de </a:t>
+            </a:r>
+            <a:r>
+              <a:rPr lang="fr-CH" sz="2800" dirty="0">
+                <a:solidFill>
+                  <a:schemeClr val="bg1"/>
+                </a:solidFill>
+              </a:rPr>
+              <a:t>comptes</a:t>
+            </a:r>
+            <a:r>
+              <a:rPr lang="fr-CH" sz="2800" noProof="0" dirty="0">
+                <a:solidFill>
+                  <a:schemeClr val="bg1"/>
+                </a:solidFill>
+              </a:rPr>
+              <a:t> </a:t>
+            </a:r>
+            <a:r>
+              <a:rPr lang="fr-CH" sz="2800" dirty="0">
+                <a:solidFill>
+                  <a:schemeClr val="bg1"/>
+                </a:solidFill>
+              </a:rPr>
+              <a:t>utilisateur</a:t>
+            </a:r>
+            <a:endParaRPr lang="fr-CH" sz="2800" noProof="0" dirty="0">
+              <a:solidFill>
+                <a:schemeClr val="bg1"/>
+              </a:solidFill>
+            </a:endParaRPr>
           </a:p>
           <a:p>
             <a:pPr marL="285750" indent="-285750">
@@ -4348,21 +4460,37 @@
                   <a:schemeClr val="bg1"/>
                 </a:solidFill>
               </a:rPr>
-              <a:t>Ajout de notes, commentaire sur les médias</a:t>
-            </a:r>
-          </a:p>
-          <a:p>
-            <a:pPr marL="285750" indent="-285750">
-              <a:buFont typeface="Arial" panose="020B0604020202020204" pitchFamily="34" charset="0"/>
-              <a:buChar char="•"/>
-            </a:pPr>
+              <a:t>Ajout de notes, </a:t>
+            </a:r>
             <a:r>
               <a:rPr lang="fr-CH" sz="2800" dirty="0">
                 <a:solidFill>
                   <a:schemeClr val="bg1"/>
                 </a:solidFill>
               </a:rPr>
-              <a:t>Ajout de média absent de la DB</a:t>
+              <a:t>commentaires</a:t>
+            </a:r>
+            <a:r>
+              <a:rPr lang="fr-CH" sz="2800" noProof="0" dirty="0">
+                <a:solidFill>
+                  <a:schemeClr val="bg1"/>
+                </a:solidFill>
+              </a:rPr>
+              <a:t> sur les médias</a:t>
+            </a:r>
+          </a:p>
+          <a:p>
+            <a:pPr marL="285750" indent="-285750">
+              <a:buFont typeface="Arial" panose="020B0604020202020204" pitchFamily="34" charset="0"/>
+              <a:buChar char="•"/>
+            </a:pPr>
+            <a:r>
+              <a:rPr lang="fr-CH" sz="2800" dirty="0">
+                <a:solidFill>
+                  <a:schemeClr val="bg1"/>
+                </a:solidFill>
+              </a:rPr>
+              <a:t>Ajout de médias absents de la DB</a:t>
             </a:r>
           </a:p>
         </p:txBody>
@@ -4893,7 +5021,9 @@
         </p:nvSpPr>
         <p:spPr/>
         <p:txBody>
-          <a:bodyPr/>
+          <a:bodyPr vert="horz" lIns="91440" tIns="45720" rIns="91440" bIns="45720" rtlCol="0" anchor="t">
+            <a:normAutofit/>
+          </a:bodyPr>
           <a:lstStyle/>
           <a:p>
             <a:r>
@@ -4910,8 +5040,12 @@
           </a:p>
           <a:p>
             <a:r>
+              <a:rPr lang="fr-CH" dirty="0"/>
+              <a:t>Sous-groupes</a:t>
+            </a:r>
+            <a:r>
               <a:rPr lang="fr-CH" noProof="0" dirty="0"/>
-              <a:t>Sous groupe de Médias (Papier et Numérique) pour permettre un tri plus aisé</a:t>
+              <a:t> de Médias (Papier et Numérique) pour permettre un tri plus aisé</a:t>
             </a:r>
           </a:p>
           <a:p>
@@ -5102,7 +5236,9 @@
         </p:nvSpPr>
         <p:spPr/>
         <p:txBody>
-          <a:bodyPr/>
+          <a:bodyPr vert="horz" lIns="91440" tIns="45720" rIns="91440" bIns="45720" rtlCol="0" anchor="t">
+            <a:normAutofit/>
+          </a:bodyPr>
           <a:lstStyle/>
           <a:p>
             <a:r>
@@ -5111,13 +5247,21 @@
             </a:r>
             <a:r>
               <a:rPr lang="fr-CH" dirty="0"/>
-              <a:t>s’affichant selon le résultat de requêtes SQL</a:t>
+              <a:t>s’affichant selon le résultat des requêtes SQL</a:t>
             </a:r>
           </a:p>
           <a:p>
             <a:r>
               <a:rPr lang="fr-CH" noProof="0" dirty="0"/>
-              <a:t>La base de données est initialiser avec des informations de base </a:t>
+              <a:t>La base de données est </a:t>
+            </a:r>
+            <a:r>
+              <a:rPr lang="fr-CH" dirty="0"/>
+              <a:t>initialisée</a:t>
+            </a:r>
+            <a:r>
+              <a:rPr lang="fr-CH" noProof="0" dirty="0"/>
+              <a:t> avec des informations de base </a:t>
             </a:r>
             <a:r>
               <a:rPr lang="fr-CH" dirty="0"/>

--- a/docs/BDR-phases/rendu final/Presentation_Groupe9.pptx
+++ b/docs/BDR-phases/rendu final/Presentation_Groupe9.pptx
@@ -271,7 +271,7 @@
           <a:p>
             <a:fld id="{573D5DD2-3ACC-4A1B-9239-0A8C4D0220FE}" type="datetimeFigureOut">
               <a:rPr lang="en-GB" smtClean="0"/>
-              <a:t>23/01/2025</a:t>
+              <a:t>24/01/2025</a:t>
             </a:fld>
             <a:endParaRPr lang="en-GB"/>
           </a:p>
@@ -846,7 +846,7 @@
           <a:p>
             <a:fld id="{5B9A16B2-DA65-40A9-8310-9BF25D381FB8}" type="datetime1">
               <a:rPr lang="en-GB" smtClean="0"/>
-              <a:t>23/01/2025</a:t>
+              <a:t>24/01/2025</a:t>
             </a:fld>
             <a:endParaRPr lang="en-GB"/>
           </a:p>
@@ -1066,7 +1066,7 @@
           <a:p>
             <a:fld id="{B97B60D6-A2F5-4478-A0AD-34C22FFD6F8A}" type="datetime1">
               <a:rPr lang="en-GB" smtClean="0"/>
-              <a:t>23/01/2025</a:t>
+              <a:t>24/01/2025</a:t>
             </a:fld>
             <a:endParaRPr lang="en-GB"/>
           </a:p>
@@ -1279,7 +1279,7 @@
           <a:p>
             <a:fld id="{CC7F2708-8F7A-4F3B-8349-44950C612048}" type="datetime1">
               <a:rPr lang="en-GB" smtClean="0"/>
-              <a:t>23/01/2025</a:t>
+              <a:t>24/01/2025</a:t>
             </a:fld>
             <a:endParaRPr lang="en-GB"/>
           </a:p>
@@ -1550,7 +1550,7 @@
           <a:p>
             <a:fld id="{266CC99F-F12A-4BBB-B957-70759008C60A}" type="datetime1">
               <a:rPr lang="en-GB" smtClean="0"/>
-              <a:t>23/01/2025</a:t>
+              <a:t>24/01/2025</a:t>
             </a:fld>
             <a:endParaRPr lang="en-GB"/>
           </a:p>
@@ -1846,7 +1846,7 @@
           <a:p>
             <a:fld id="{FF88F88C-00AF-49B8-8784-24FFC99658C3}" type="datetime1">
               <a:rPr lang="en-GB" smtClean="0"/>
-              <a:t>23/01/2025</a:t>
+              <a:t>24/01/2025</a:t>
             </a:fld>
             <a:endParaRPr lang="en-GB"/>
           </a:p>
@@ -2117,7 +2117,7 @@
           <a:p>
             <a:fld id="{736D4382-4B25-46E8-A9D1-527A12FD22B6}" type="datetime1">
               <a:rPr lang="en-GB" smtClean="0"/>
-              <a:t>23/01/2025</a:t>
+              <a:t>24/01/2025</a:t>
             </a:fld>
             <a:endParaRPr lang="en-GB"/>
           </a:p>
@@ -2535,7 +2535,7 @@
           <a:p>
             <a:fld id="{467B1C9A-D4F2-469C-BD8D-B6AEB875AAFC}" type="datetime1">
               <a:rPr lang="en-GB" smtClean="0"/>
-              <a:t>23/01/2025</a:t>
+              <a:t>24/01/2025</a:t>
             </a:fld>
             <a:endParaRPr lang="en-GB"/>
           </a:p>
@@ -2680,7 +2680,7 @@
           <a:p>
             <a:fld id="{25F368CD-4EE6-4B06-838A-36FC3391FA69}" type="datetime1">
               <a:rPr lang="en-GB" smtClean="0"/>
-              <a:t>23/01/2025</a:t>
+              <a:t>24/01/2025</a:t>
             </a:fld>
             <a:endParaRPr lang="en-GB"/>
           </a:p>
@@ -2796,7 +2796,7 @@
           <a:p>
             <a:fld id="{6AA9A39E-E184-437F-BAA0-26D25B3DEDA4}" type="datetime1">
               <a:rPr lang="en-GB" smtClean="0"/>
-              <a:t>23/01/2025</a:t>
+              <a:t>24/01/2025</a:t>
             </a:fld>
             <a:endParaRPr lang="en-GB"/>
           </a:p>
@@ -3112,7 +3112,7 @@
           <a:p>
             <a:fld id="{FDDEB033-4762-4546-B89A-80D3A8336114}" type="datetime1">
               <a:rPr lang="en-GB" smtClean="0"/>
-              <a:t>23/01/2025</a:t>
+              <a:t>24/01/2025</a:t>
             </a:fld>
             <a:endParaRPr lang="en-GB"/>
           </a:p>
@@ -3404,7 +3404,7 @@
           <a:p>
             <a:fld id="{C9665EB4-56FE-422D-A2D3-9EFC7944B219}" type="datetime1">
               <a:rPr lang="en-GB" smtClean="0"/>
-              <a:t>23/01/2025</a:t>
+              <a:t>24/01/2025</a:t>
             </a:fld>
             <a:endParaRPr lang="en-GB"/>
           </a:p>
@@ -3650,7 +3650,7 @@
           <a:p>
             <a:fld id="{A24F8236-A259-488E-B4A9-49DF0AC961EE}" type="datetime1">
               <a:rPr lang="en-GB" smtClean="0"/>
-              <a:t>23/01/2025</a:t>
+              <a:t>24/01/2025</a:t>
             </a:fld>
             <a:endParaRPr lang="en-GB"/>
           </a:p>
@@ -4155,7 +4155,7 @@
           <a:p>
             <a:r>
               <a:rPr lang="fr-CH" noProof="0" dirty="0"/>
-              <a:t>Pierric Ripoll, </a:t>
+              <a:t>Pierric Ripoll </a:t>
             </a:r>
           </a:p>
           <a:p>
@@ -4266,7 +4266,7 @@
           <a:p>
             <a:fld id="{D573D444-5F55-4467-A2D0-17B627445B82}" type="datetime1">
               <a:rPr lang="fr-CH" noProof="0" smtClean="0"/>
-              <a:t>23.01.2025</a:t>
+              <a:t>24.01.2025</a:t>
             </a:fld>
             <a:endParaRPr lang="fr-CH" noProof="0" dirty="0"/>
           </a:p>
@@ -4666,7 +4666,7 @@
           <a:p>
             <a:fld id="{266CC99F-F12A-4BBB-B957-70759008C60A}" type="datetime1">
               <a:rPr lang="en-GB" smtClean="0"/>
-              <a:t>23/01/2025</a:t>
+              <a:t>24/01/2025</a:t>
             </a:fld>
             <a:endParaRPr lang="en-GB"/>
           </a:p>
@@ -4745,6 +4745,9 @@
   <p:clrMapOvr>
     <a:masterClrMapping/>
   </p:clrMapOvr>
+  <p:transition spd="slow">
+    <p:push/>
+  </p:transition>
 </p:sld>
 </file>
 
@@ -4821,7 +4824,7 @@
           <a:p>
             <a:fld id="{266CC99F-F12A-4BBB-B957-70759008C60A}" type="datetime1">
               <a:rPr lang="fr-CH" noProof="0" smtClean="0"/>
-              <a:t>23.01.2025</a:t>
+              <a:t>24.01.2025</a:t>
             </a:fld>
             <a:endParaRPr lang="fr-CH" noProof="0" dirty="0"/>
           </a:p>
@@ -4955,6 +4958,9 @@
   <p:clrMapOvr>
     <a:masterClrMapping/>
   </p:clrMapOvr>
+  <p:transition spd="slow">
+    <p:push/>
+  </p:transition>
 </p:sld>
 </file>
 
@@ -5091,7 +5097,7 @@
           <a:p>
             <a:fld id="{266CC99F-F12A-4BBB-B957-70759008C60A}" type="datetime1">
               <a:rPr lang="fr-CH" noProof="0" smtClean="0"/>
-              <a:t>23.01.2025</a:t>
+              <a:t>24.01.2025</a:t>
             </a:fld>
             <a:endParaRPr lang="fr-CH" noProof="0" dirty="0"/>
           </a:p>
@@ -5170,6 +5176,9 @@
   <p:clrMapOvr>
     <a:masterClrMapping/>
   </p:clrMapOvr>
+  <p:transition spd="slow">
+    <p:push/>
+  </p:transition>
 </p:sld>
 </file>
 
@@ -5314,7 +5323,7 @@
           <a:p>
             <a:fld id="{939CBBC5-57E8-4173-B521-0D0933CF368A}" type="datetime1">
               <a:rPr lang="fr-CH" noProof="0" smtClean="0"/>
-              <a:t>23.01.2025</a:t>
+              <a:t>24.01.2025</a:t>
             </a:fld>
             <a:endParaRPr lang="fr-CH" noProof="0" dirty="0"/>
           </a:p>
